--- a/Báo cáo cuối kỳ/22. Template Method/Slide.pptx
+++ b/Báo cáo cuối kỳ/22. Template Method/Slide.pptx
@@ -7,17 +7,16 @@
   <p:sldIdLst>
     <p:sldId id="256" r:id="rId2"/>
     <p:sldId id="258" r:id="rId3"/>
-    <p:sldId id="257" r:id="rId4"/>
-    <p:sldId id="267" r:id="rId5"/>
-    <p:sldId id="259" r:id="rId6"/>
-    <p:sldId id="268" r:id="rId7"/>
-    <p:sldId id="260" r:id="rId8"/>
-    <p:sldId id="262" r:id="rId9"/>
-    <p:sldId id="263" r:id="rId10"/>
-    <p:sldId id="264" r:id="rId11"/>
-    <p:sldId id="269" r:id="rId12"/>
-    <p:sldId id="266" r:id="rId13"/>
-    <p:sldId id="265" r:id="rId14"/>
+    <p:sldId id="267" r:id="rId4"/>
+    <p:sldId id="259" r:id="rId5"/>
+    <p:sldId id="268" r:id="rId6"/>
+    <p:sldId id="260" r:id="rId7"/>
+    <p:sldId id="262" r:id="rId8"/>
+    <p:sldId id="263" r:id="rId9"/>
+    <p:sldId id="264" r:id="rId10"/>
+    <p:sldId id="269" r:id="rId11"/>
+    <p:sldId id="266" r:id="rId12"/>
+    <p:sldId id="265" r:id="rId13"/>
   </p:sldIdLst>
   <p:sldSz cx="12192000" cy="6858000"/>
   <p:notesSz cx="6858000" cy="9144000"/>
@@ -846,7 +845,7 @@
           <a:p>
             <a:fld id="{A7C4B4EA-4E57-43B5-9E64-45E867927BA5}" type="datetimeFigureOut">
               <a:rPr lang="en-US" smtClean="0"/>
-              <a:t>12/4/2016</a:t>
+              <a:t>12/8/2016</a:t>
             </a:fld>
             <a:endParaRPr lang="en-US"/>
           </a:p>
@@ -1097,7 +1096,7 @@
           <a:p>
             <a:fld id="{A7C4B4EA-4E57-43B5-9E64-45E867927BA5}" type="datetimeFigureOut">
               <a:rPr lang="en-US" smtClean="0"/>
-              <a:t>12/4/2016</a:t>
+              <a:t>12/8/2016</a:t>
             </a:fld>
             <a:endParaRPr lang="en-US"/>
           </a:p>
@@ -1411,7 +1410,7 @@
           <a:p>
             <a:fld id="{A7C4B4EA-4E57-43B5-9E64-45E867927BA5}" type="datetimeFigureOut">
               <a:rPr lang="en-US" smtClean="0"/>
-              <a:t>12/4/2016</a:t>
+              <a:t>12/8/2016</a:t>
             </a:fld>
             <a:endParaRPr lang="en-US"/>
           </a:p>
@@ -1752,7 +1751,7 @@
           <a:p>
             <a:fld id="{A7C4B4EA-4E57-43B5-9E64-45E867927BA5}" type="datetimeFigureOut">
               <a:rPr lang="en-US" smtClean="0"/>
-              <a:t>12/4/2016</a:t>
+              <a:t>12/8/2016</a:t>
             </a:fld>
             <a:endParaRPr lang="en-US"/>
           </a:p>
@@ -2066,7 +2065,7 @@
           <a:p>
             <a:fld id="{A7C4B4EA-4E57-43B5-9E64-45E867927BA5}" type="datetimeFigureOut">
               <a:rPr lang="en-US" smtClean="0"/>
-              <a:t>12/4/2016</a:t>
+              <a:t>12/8/2016</a:t>
             </a:fld>
             <a:endParaRPr lang="en-US"/>
           </a:p>
@@ -2459,7 +2458,7 @@
           <a:p>
             <a:fld id="{A7C4B4EA-4E57-43B5-9E64-45E867927BA5}" type="datetimeFigureOut">
               <a:rPr lang="en-US" smtClean="0"/>
-              <a:t>12/4/2016</a:t>
+              <a:t>12/8/2016</a:t>
             </a:fld>
             <a:endParaRPr lang="en-US"/>
           </a:p>
@@ -2629,7 +2628,7 @@
           <a:p>
             <a:fld id="{A7C4B4EA-4E57-43B5-9E64-45E867927BA5}" type="datetimeFigureOut">
               <a:rPr lang="en-US" smtClean="0"/>
-              <a:t>12/4/2016</a:t>
+              <a:t>12/8/2016</a:t>
             </a:fld>
             <a:endParaRPr lang="en-US"/>
           </a:p>
@@ -2809,7 +2808,7 @@
           <a:p>
             <a:fld id="{A7C4B4EA-4E57-43B5-9E64-45E867927BA5}" type="datetimeFigureOut">
               <a:rPr lang="en-US" smtClean="0"/>
-              <a:t>12/4/2016</a:t>
+              <a:t>12/8/2016</a:t>
             </a:fld>
             <a:endParaRPr lang="en-US"/>
           </a:p>
@@ -2985,7 +2984,7 @@
           <a:p>
             <a:fld id="{A7C4B4EA-4E57-43B5-9E64-45E867927BA5}" type="datetimeFigureOut">
               <a:rPr lang="en-US" smtClean="0"/>
-              <a:t>12/4/2016</a:t>
+              <a:t>12/8/2016</a:t>
             </a:fld>
             <a:endParaRPr lang="en-US"/>
           </a:p>
@@ -3232,7 +3231,7 @@
           <a:p>
             <a:fld id="{A7C4B4EA-4E57-43B5-9E64-45E867927BA5}" type="datetimeFigureOut">
               <a:rPr lang="en-US" smtClean="0"/>
-              <a:t>12/4/2016</a:t>
+              <a:t>12/8/2016</a:t>
             </a:fld>
             <a:endParaRPr lang="en-US"/>
           </a:p>
@@ -3464,7 +3463,7 @@
           <a:p>
             <a:fld id="{A7C4B4EA-4E57-43B5-9E64-45E867927BA5}" type="datetimeFigureOut">
               <a:rPr lang="en-US" smtClean="0"/>
-              <a:t>12/4/2016</a:t>
+              <a:t>12/8/2016</a:t>
             </a:fld>
             <a:endParaRPr lang="en-US"/>
           </a:p>
@@ -3838,7 +3837,7 @@
           <a:p>
             <a:fld id="{A7C4B4EA-4E57-43B5-9E64-45E867927BA5}" type="datetimeFigureOut">
               <a:rPr lang="en-US" smtClean="0"/>
-              <a:t>12/4/2016</a:t>
+              <a:t>12/8/2016</a:t>
             </a:fld>
             <a:endParaRPr lang="en-US"/>
           </a:p>
@@ -3961,7 +3960,7 @@
           <a:p>
             <a:fld id="{A7C4B4EA-4E57-43B5-9E64-45E867927BA5}" type="datetimeFigureOut">
               <a:rPr lang="en-US" smtClean="0"/>
-              <a:t>12/4/2016</a:t>
+              <a:t>12/8/2016</a:t>
             </a:fld>
             <a:endParaRPr lang="en-US"/>
           </a:p>
@@ -4056,7 +4055,7 @@
           <a:p>
             <a:fld id="{A7C4B4EA-4E57-43B5-9E64-45E867927BA5}" type="datetimeFigureOut">
               <a:rPr lang="en-US" smtClean="0"/>
-              <a:t>12/4/2016</a:t>
+              <a:t>12/8/2016</a:t>
             </a:fld>
             <a:endParaRPr lang="en-US"/>
           </a:p>
@@ -4311,7 +4310,7 @@
           <a:p>
             <a:fld id="{A7C4B4EA-4E57-43B5-9E64-45E867927BA5}" type="datetimeFigureOut">
               <a:rPr lang="en-US" smtClean="0"/>
-              <a:t>12/4/2016</a:t>
+              <a:t>12/8/2016</a:t>
             </a:fld>
             <a:endParaRPr lang="en-US"/>
           </a:p>
@@ -4574,7 +4573,7 @@
           <a:p>
             <a:fld id="{A7C4B4EA-4E57-43B5-9E64-45E867927BA5}" type="datetimeFigureOut">
               <a:rPr lang="en-US" smtClean="0"/>
-              <a:t>12/4/2016</a:t>
+              <a:t>12/8/2016</a:t>
             </a:fld>
             <a:endParaRPr lang="en-US"/>
           </a:p>
@@ -5317,7 +5316,7 @@
           <a:p>
             <a:fld id="{A7C4B4EA-4E57-43B5-9E64-45E867927BA5}" type="datetimeFigureOut">
               <a:rPr lang="en-US" smtClean="0"/>
-              <a:t>12/4/2016</a:t>
+              <a:t>12/8/2016</a:t>
             </a:fld>
             <a:endParaRPr lang="en-US"/>
           </a:p>
@@ -5858,7 +5857,7 @@
           <a:p>
             <a:r>
               <a:rPr lang="en-US" b="1"/>
-              <a:t>Mẫu</a:t>
+              <a:t>Mẫu Template Method</a:t>
             </a:r>
           </a:p>
         </p:txBody>
@@ -5953,7 +5952,7 @@
           <a:p>
             <a:r>
               <a:rPr lang="en-US" b="1"/>
-              <a:t>Các chú ý liên quan đến cài đặt</a:t>
+              <a:t>Các mẫu có liên quan</a:t>
             </a:r>
           </a:p>
         </p:txBody>
@@ -5973,14 +5972,46 @@
           <a:bodyPr/>
           <a:lstStyle/>
           <a:p>
-            <a:endParaRPr lang="en-US"/>
+            <a:pPr lvl="0"/>
+            <a:r>
+              <a:rPr lang="en-US"/>
+              <a:t>Factory Method:</a:t>
+            </a:r>
+            <a:endParaRPr lang="en-US" sz="1600"/>
+          </a:p>
+          <a:p>
+            <a:pPr lvl="1"/>
+            <a:r>
+              <a:rPr lang="en-US"/>
+              <a:t>Thường được gọi bởi các template method.</a:t>
+            </a:r>
+            <a:endParaRPr lang="en-US" sz="1400"/>
+          </a:p>
+          <a:p>
+            <a:pPr lvl="0"/>
+            <a:r>
+              <a:rPr lang="en-US"/>
+              <a:t>Strategy: </a:t>
+            </a:r>
+            <a:endParaRPr lang="en-US" sz="1600"/>
+          </a:p>
+          <a:p>
+            <a:pPr lvl="1"/>
+            <a:r>
+              <a:rPr lang="en-US"/>
+              <a:t>Template method sử dụng kế thừa để thay đổi một phần của một giải thuât, Stategy sử dụng ủy nhiệm để thay đổi cả một giải thuật.</a:t>
+            </a:r>
+            <a:endParaRPr lang="en-US" sz="1400"/>
+          </a:p>
+          <a:p>
+            <a:endParaRPr lang="en-US" b="1"/>
           </a:p>
         </p:txBody>
       </p:sp>
     </p:spTree>
     <p:extLst>
       <p:ext uri="{BB962C8B-B14F-4D97-AF65-F5344CB8AC3E}">
-        <p14:creationId xmlns:p14="http://schemas.microsoft.com/office/powerpoint/2010/main" val="1313416780"/>
+        <p14:creationId xmlns:p14="http://schemas.microsoft.com/office/powerpoint/2010/main" val="2917200048"/>
       </p:ext>
     </p:extLst>
   </p:cSld>
@@ -6024,77 +6055,6 @@
           <a:p>
             <a:r>
               <a:rPr lang="en-US" b="1"/>
-              <a:t>Các mẫu có liên quan</a:t>
-            </a:r>
-          </a:p>
-        </p:txBody>
-      </p:sp>
-      <p:sp>
-        <p:nvSpPr>
-          <p:cNvPr id="3" name="Content Placeholder 2"/>
-          <p:cNvSpPr>
-            <a:spLocks noGrp="1"/>
-          </p:cNvSpPr>
-          <p:nvPr>
-            <p:ph idx="1"/>
-          </p:nvPr>
-        </p:nvSpPr>
-        <p:spPr/>
-        <p:txBody>
-          <a:bodyPr/>
-          <a:lstStyle/>
-          <a:p>
-            <a:endParaRPr lang="en-US" b="1"/>
-          </a:p>
-        </p:txBody>
-      </p:sp>
-    </p:spTree>
-    <p:extLst>
-      <p:ext uri="{BB962C8B-B14F-4D97-AF65-F5344CB8AC3E}">
-        <p14:creationId xmlns:p14="http://schemas.microsoft.com/office/powerpoint/2010/main" val="2917200048"/>
-      </p:ext>
-    </p:extLst>
-  </p:cSld>
-  <p:clrMapOvr>
-    <a:masterClrMapping/>
-  </p:clrMapOvr>
-</p:sld>
-</file>
-
-<file path=ppt/slides/slide12.xml><?xml version="1.0" encoding="utf-8"?>
-<p:sld xmlns:a="http://schemas.openxmlformats.org/drawingml/2006/main" xmlns:r="http://schemas.openxmlformats.org/officeDocument/2006/relationships" xmlns:p="http://schemas.openxmlformats.org/presentationml/2006/main">
-  <p:cSld>
-    <p:spTree>
-      <p:nvGrpSpPr>
-        <p:cNvPr id="1" name=""/>
-        <p:cNvGrpSpPr/>
-        <p:nvPr/>
-      </p:nvGrpSpPr>
-      <p:grpSpPr>
-        <a:xfrm>
-          <a:off x="0" y="0"/>
-          <a:ext cx="0" cy="0"/>
-          <a:chOff x="0" y="0"/>
-          <a:chExt cx="0" cy="0"/>
-        </a:xfrm>
-      </p:grpSpPr>
-      <p:sp>
-        <p:nvSpPr>
-          <p:cNvPr id="2" name="Title 1"/>
-          <p:cNvSpPr>
-            <a:spLocks noGrp="1"/>
-          </p:cNvSpPr>
-          <p:nvPr>
-            <p:ph type="title"/>
-          </p:nvPr>
-        </p:nvSpPr>
-        <p:spPr/>
-        <p:txBody>
-          <a:bodyPr/>
-          <a:lstStyle/>
-          <a:p>
-            <a:r>
-              <a:rPr lang="en-US" b="1"/>
               <a:t>Ví dụ về một số hệ thống thực tế</a:t>
             </a:r>
           </a:p>
@@ -6132,7 +6092,7 @@
 </p:sld>
 </file>
 
-<file path=ppt/slides/slide13.xml><?xml version="1.0" encoding="utf-8"?>
+<file path=ppt/slides/slide12.xml><?xml version="1.0" encoding="utf-8"?>
 <p:sld xmlns:a="http://schemas.openxmlformats.org/drawingml/2006/main" xmlns:r="http://schemas.openxmlformats.org/officeDocument/2006/relationships" xmlns:p="http://schemas.openxmlformats.org/presentationml/2006/main">
   <p:cSld>
     <p:spTree>
@@ -6259,25 +6219,26 @@
           <a:p>
             <a:r>
               <a:rPr lang="en-US"/>
-              <a:t>Tên đầy đủ:</a:t>
+              <a:t>Tên đầy đủ: </a:t>
+            </a:r>
+            <a:r>
+              <a:rPr lang="en-US"/>
+              <a:t>Template Method Pattern</a:t>
             </a:r>
             <a:endParaRPr lang="en-US" b="1"/>
           </a:p>
           <a:p>
             <a:r>
               <a:rPr lang="en-US"/>
-              <a:t>Tên ngắn gọn</a:t>
-            </a:r>
-            <a:r>
-              <a:rPr lang="en-US" b="1"/>
-              <a:t>:</a:t>
-            </a:r>
-          </a:p>
-          <a:p>
-            <a:r>
-              <a:rPr lang="en-US"/>
-              <a:t>Phân loại:</a:t>
-            </a:r>
+              <a:t>Phân loại: </a:t>
+            </a:r>
+            <a:r>
+              <a:rPr lang="en-US"/>
+              <a:t>Mẫu hành vi</a:t>
+            </a:r>
+          </a:p>
+          <a:p>
+            <a:endParaRPr lang="en-US"/>
           </a:p>
         </p:txBody>
       </p:sp>
@@ -6328,7 +6289,7 @@
           <a:p>
             <a:r>
               <a:rPr lang="en-US" b="1"/>
-              <a:t>Khái niệm		</a:t>
+              <a:t>Mục đích, ý định</a:t>
             </a:r>
           </a:p>
         </p:txBody>
@@ -6348,9 +6309,17 @@
           <a:bodyPr/>
           <a:lstStyle/>
           <a:p>
-            <a:r>
-              <a:rPr lang="en-US"/>
-              <a:t>.</a:t>
+            <a:pPr lvl="0"/>
+            <a:r>
+              <a:rPr lang="en-US"/>
+              <a:t>Định nghĩa một bộ khung của một thuật toán trong một chức năng, chuyển giao việc thực hiện nó cho các lớp con. </a:t>
+            </a:r>
+          </a:p>
+          <a:p>
+            <a:pPr lvl="0"/>
+            <a:r>
+              <a:rPr lang="en-US"/>
+              <a:t>Mẫu Template Method cho phép lớp con định nghĩa lại cách thực hiện của một thuật toán, mà không phải thay đổi cấu trúc thuật toán.</a:t>
             </a:r>
           </a:p>
           <a:p>
@@ -6361,7 +6330,7 @@
     </p:spTree>
     <p:extLst>
       <p:ext uri="{BB962C8B-B14F-4D97-AF65-F5344CB8AC3E}">
-        <p14:creationId xmlns:p14="http://schemas.microsoft.com/office/powerpoint/2010/main" val="2266657416"/>
+        <p14:creationId xmlns:p14="http://schemas.microsoft.com/office/powerpoint/2010/main" val="2795534365"/>
       </p:ext>
     </p:extLst>
   </p:cSld>
@@ -6405,7 +6374,7 @@
           <a:p>
             <a:r>
               <a:rPr lang="en-US" b="1"/>
-              <a:t>Mục đích, ý định</a:t>
+              <a:t>Động lực sử dụng</a:t>
             </a:r>
           </a:p>
         </p:txBody>
@@ -6425,14 +6394,55 @@
           <a:bodyPr/>
           <a:lstStyle/>
           <a:p>
+            <a:pPr fontAlgn="base"/>
+            <a:r>
+              <a:rPr lang="en-US"/>
+              <a:t>Đôi khi chúng ta muốn xác định thứ tự thực hiện của các hành động được sử dụng bên trong một phương thức, nhưng lại muốn các lớp con quyết định cách thực thi cho một hay nhiều các hành động này.</a:t>
+            </a:r>
+          </a:p>
+          <a:p>
+            <a:pPr lvl="0" fontAlgn="base"/>
             <a:endParaRPr lang="en-US"/>
           </a:p>
         </p:txBody>
       </p:sp>
+      <p:pic>
+        <p:nvPicPr>
+          <p:cNvPr id="4" name="Picture 3"/>
+          <p:cNvPicPr/>
+          <p:nvPr/>
+        </p:nvPicPr>
+        <p:blipFill>
+          <a:blip r:embed="rId2">
+            <a:extLst>
+              <a:ext uri="{28A0092B-C50C-407E-A947-70E740481C1C}">
+                <a14:useLocalDpi xmlns:a14="http://schemas.microsoft.com/office/drawing/2010/main" val="0"/>
+              </a:ext>
+            </a:extLst>
+          </a:blip>
+          <a:srcRect/>
+          <a:stretch>
+            <a:fillRect/>
+          </a:stretch>
+        </p:blipFill>
+        <p:spPr bwMode="auto">
+          <a:xfrm>
+            <a:off x="2821065" y="3494426"/>
+            <a:ext cx="4152900" cy="2124075"/>
+          </a:xfrm>
+          <a:prstGeom prst="rect">
+            <a:avLst/>
+          </a:prstGeom>
+          <a:noFill/>
+          <a:ln>
+            <a:noFill/>
+          </a:ln>
+        </p:spPr>
+      </p:pic>
     </p:spTree>
     <p:extLst>
       <p:ext uri="{BB962C8B-B14F-4D97-AF65-F5344CB8AC3E}">
-        <p14:creationId xmlns:p14="http://schemas.microsoft.com/office/powerpoint/2010/main" val="2795534365"/>
+        <p14:creationId xmlns:p14="http://schemas.microsoft.com/office/powerpoint/2010/main" val="3254169398"/>
       </p:ext>
     </p:extLst>
   </p:cSld>
@@ -6476,7 +6486,7 @@
           <a:p>
             <a:r>
               <a:rPr lang="en-US" b="1"/>
-              <a:t>Khi nào sử dụng</a:t>
+              <a:t>Khi nào ứng dụng</a:t>
             </a:r>
           </a:p>
         </p:txBody>
@@ -6493,10 +6503,45 @@
         </p:nvSpPr>
         <p:spPr/>
         <p:txBody>
-          <a:bodyPr/>
-          <a:lstStyle/>
-          <a:p>
-            <a:pPr lvl="0" fontAlgn="base"/>
+          <a:bodyPr>
+            <a:normAutofit/>
+          </a:bodyPr>
+          <a:lstStyle/>
+          <a:p>
+            <a:r>
+              <a:rPr lang="en-US"/>
+              <a:t>Khi định nghĩa một thuật toán, ta muốn hiện thực một phần của  nó, sau đó để cho các lớp con hiện thực phần còn </a:t>
+            </a:r>
+            <a:r>
+              <a:rPr lang="en-US"/>
+              <a:t>lại.</a:t>
+            </a:r>
+          </a:p>
+          <a:p>
+            <a:r>
+              <a:rPr lang="en-US"/>
+              <a:t>Khi các lớp con có một hành vi chung, cần được đưa vào một lớp riêng để tái sử dụng và tránh trùng lặp code.</a:t>
+            </a:r>
+          </a:p>
+          <a:p>
+            <a:r>
+              <a:rPr lang="en-US"/>
+              <a:t>Khi ta cần kiểm </a:t>
+            </a:r>
+            <a:r>
+              <a:rPr lang="en-US"/>
+              <a:t>soát việc </a:t>
+            </a:r>
+            <a:r>
+              <a:rPr lang="en-US"/>
+              <a:t>mở rộng các lớp con. </a:t>
+            </a:r>
+          </a:p>
+          <a:p>
+            <a:endParaRPr lang="en-US"/>
+          </a:p>
+          <a:p>
+            <a:pPr lvl="1"/>
             <a:endParaRPr lang="en-US"/>
           </a:p>
         </p:txBody>
@@ -6504,7 +6549,7 @@
     </p:spTree>
     <p:extLst>
       <p:ext uri="{BB962C8B-B14F-4D97-AF65-F5344CB8AC3E}">
-        <p14:creationId xmlns:p14="http://schemas.microsoft.com/office/powerpoint/2010/main" val="3254169398"/>
+        <p14:creationId xmlns:p14="http://schemas.microsoft.com/office/powerpoint/2010/main" val="3202979120"/>
       </p:ext>
     </p:extLst>
   </p:cSld>
@@ -6548,8 +6593,89 @@
           <a:p>
             <a:r>
               <a:rPr lang="en-US" b="1"/>
-              <a:t>Khả năng ứng dụng</a:t>
-            </a:r>
+              <a:t>Cấu trúc - Thành phần</a:t>
+            </a:r>
+          </a:p>
+        </p:txBody>
+      </p:sp>
+      <p:sp>
+        <p:nvSpPr>
+          <p:cNvPr id="4" name="Content Placeholder 3"/>
+          <p:cNvSpPr>
+            <a:spLocks noGrp="1"/>
+          </p:cNvSpPr>
+          <p:nvPr>
+            <p:ph sz="half" idx="2"/>
+          </p:nvPr>
+        </p:nvSpPr>
+        <p:spPr/>
+        <p:txBody>
+          <a:bodyPr>
+            <a:normAutofit fontScale="92500" lnSpcReduction="20000"/>
+          </a:bodyPr>
+          <a:lstStyle/>
+          <a:p>
+            <a:pPr lvl="0"/>
+            <a:r>
+              <a:rPr lang="en-US" b="1"/>
+              <a:t>AbstractClass:</a:t>
+            </a:r>
+            <a:r>
+              <a:rPr lang="en-US"/>
+              <a:t> </a:t>
+            </a:r>
+            <a:endParaRPr lang="en-US" sz="1600"/>
+          </a:p>
+          <a:p>
+            <a:pPr lvl="1"/>
+            <a:r>
+              <a:rPr lang="en-US"/>
+              <a:t>Định nghĩa các hoạt động ảo nguyên thủy (abstract primitive operation) cấu thành nên một thuật giải thuật. </a:t>
+            </a:r>
+            <a:endParaRPr lang="en-US" sz="1400"/>
+          </a:p>
+          <a:p>
+            <a:pPr lvl="1"/>
+            <a:r>
+              <a:rPr lang="en-US"/>
+              <a:t>Hiện thực một Template method định nghĩa khung sườn của một giải thuật. Template method này sẽ gọi các hàm ảo nguyên thủy được định nghĩa trong AbstractClass.</a:t>
+            </a:r>
+            <a:endParaRPr lang="en-US" sz="1400"/>
+          </a:p>
+          <a:p>
+            <a:pPr lvl="0"/>
+            <a:r>
+              <a:rPr lang="en-US" b="1"/>
+              <a:t>ConcreteClass</a:t>
+            </a:r>
+            <a:r>
+              <a:rPr lang="en-US"/>
+              <a:t>:</a:t>
+            </a:r>
+            <a:endParaRPr lang="en-US" sz="1600"/>
+          </a:p>
+          <a:p>
+            <a:pPr lvl="1"/>
+            <a:r>
+              <a:rPr lang="en-US"/>
+              <a:t>Cài đặt các hàm ảo nguyên thủy được định nghĩa trong </a:t>
+            </a:r>
+            <a:r>
+              <a:rPr lang="en-US" b="1"/>
+              <a:t>AbstracClass.</a:t>
+            </a:r>
+            <a:endParaRPr lang="en-US" sz="1400"/>
+          </a:p>
+          <a:p>
+            <a:pPr lvl="1"/>
+            <a:r>
+              <a:rPr lang="en-US"/>
+              <a:t>Thuật toán cài đặt trong Abstract Class sẽ thay đổi tùy theo cách hiện thực các hàm nguyên thủy trong các lớp con.</a:t>
+            </a:r>
+            <a:endParaRPr lang="en-US" sz="1400"/>
+          </a:p>
+          <a:p>
+            <a:endParaRPr lang="en-US"/>
           </a:p>
         </p:txBody>
       </p:sp>
@@ -6560,25 +6686,51 @@
             <a:spLocks noGrp="1"/>
           </p:cNvSpPr>
           <p:nvPr>
-            <p:ph idx="1"/>
+            <p:ph sz="half" idx="1"/>
           </p:nvPr>
         </p:nvSpPr>
         <p:spPr/>
         <p:txBody>
           <a:bodyPr>
-            <a:normAutofit/>
+            <a:normAutofit fontScale="92500" lnSpcReduction="20000"/>
           </a:bodyPr>
           <a:lstStyle/>
           <a:p>
-            <a:pPr lvl="1"/>
-            <a:endParaRPr lang="en-US"/>
-          </a:p>
-        </p:txBody>
-      </p:sp>
+            <a:r>
+              <a:rPr lang="en-US"/>
+              <a:t>Sơ đồ UML</a:t>
+            </a:r>
+          </a:p>
+        </p:txBody>
+      </p:sp>
+      <p:pic>
+        <p:nvPicPr>
+          <p:cNvPr id="5" name="Picture 4"/>
+          <p:cNvPicPr>
+            <a:picLocks noChangeAspect="1"/>
+          </p:cNvPicPr>
+          <p:nvPr/>
+        </p:nvPicPr>
+        <p:blipFill>
+          <a:blip r:embed="rId2"/>
+          <a:stretch>
+            <a:fillRect/>
+          </a:stretch>
+        </p:blipFill>
+        <p:spPr>
+          <a:xfrm>
+            <a:off x="813190" y="2650253"/>
+            <a:ext cx="3893531" cy="2498796"/>
+          </a:xfrm>
+          <a:prstGeom prst="rect">
+            <a:avLst/>
+          </a:prstGeom>
+        </p:spPr>
+      </p:pic>
     </p:spTree>
     <p:extLst>
       <p:ext uri="{BB962C8B-B14F-4D97-AF65-F5344CB8AC3E}">
-        <p14:creationId xmlns:p14="http://schemas.microsoft.com/office/powerpoint/2010/main" val="3202979120"/>
+        <p14:creationId xmlns:p14="http://schemas.microsoft.com/office/powerpoint/2010/main" val="1137891412"/>
       </p:ext>
     </p:extLst>
   </p:cSld>
@@ -6622,60 +6774,67 @@
           <a:p>
             <a:r>
               <a:rPr lang="en-US" b="1"/>
-              <a:t>Cấu trúc - Thành phần</a:t>
-            </a:r>
-          </a:p>
-        </p:txBody>
-      </p:sp>
-      <p:sp>
-        <p:nvSpPr>
+              <a:t>Mối quan hệ</a:t>
+            </a:r>
+          </a:p>
+        </p:txBody>
+      </p:sp>
+      <p:pic>
+        <p:nvPicPr>
           <p:cNvPr id="4" name="Content Placeholder 3"/>
-          <p:cNvSpPr>
-            <a:spLocks noGrp="1"/>
-          </p:cNvSpPr>
-          <p:nvPr>
-            <p:ph sz="half" idx="2"/>
-          </p:nvPr>
-        </p:nvSpPr>
-        <p:spPr/>
-        <p:txBody>
-          <a:bodyPr>
-            <a:normAutofit/>
+          <p:cNvPicPr>
+            <a:picLocks noGrp="1"/>
+          </p:cNvPicPr>
+          <p:nvPr>
+            <p:ph idx="1"/>
+          </p:nvPr>
+        </p:nvPicPr>
+        <p:blipFill>
+          <a:blip r:embed="rId2"/>
+          <a:stretch>
+            <a:fillRect/>
+          </a:stretch>
+        </p:blipFill>
+        <p:spPr>
+          <a:xfrm>
+            <a:off x="1004456" y="1930400"/>
+            <a:ext cx="4840010" cy="3881437"/>
+          </a:xfrm>
+          <a:prstGeom prst="rect">
+            <a:avLst/>
+          </a:prstGeom>
+        </p:spPr>
+      </p:pic>
+      <p:sp>
+        <p:nvSpPr>
+          <p:cNvPr id="5" name="Rectangle 4"/>
+          <p:cNvSpPr/>
+          <p:nvPr/>
+        </p:nvSpPr>
+        <p:spPr>
+          <a:xfrm>
+            <a:off x="6030898" y="3163033"/>
+            <a:ext cx="4391487" cy="1477328"/>
+          </a:xfrm>
+          <a:prstGeom prst="rect">
+            <a:avLst/>
+          </a:prstGeom>
+        </p:spPr>
+        <p:txBody>
+          <a:bodyPr wrap="square">
+            <a:spAutoFit/>
           </a:bodyPr>
           <a:lstStyle/>
           <a:p>
-            <a:pPr lvl="0" fontAlgn="base"/>
-            <a:r>
-              <a:rPr lang="en-US" b="1"/>
-              <a:t>Mô tả các thành phần</a:t>
-            </a:r>
-            <a:endParaRPr lang="en-US"/>
-          </a:p>
-          <a:p>
-            <a:endParaRPr lang="en-US"/>
-          </a:p>
-        </p:txBody>
-      </p:sp>
-      <p:sp>
-        <p:nvSpPr>
-          <p:cNvPr id="3" name="Content Placeholder 2"/>
-          <p:cNvSpPr>
-            <a:spLocks noGrp="1"/>
-          </p:cNvSpPr>
-          <p:nvPr>
-            <p:ph sz="half" idx="1"/>
-          </p:nvPr>
-        </p:nvSpPr>
-        <p:spPr/>
-        <p:txBody>
-          <a:bodyPr>
-            <a:normAutofit/>
-          </a:bodyPr>
-          <a:lstStyle/>
-          <a:p>
-            <a:r>
-              <a:rPr lang="en-US"/>
-              <a:t>Sơ đồ UML</a:t>
+            <a:r>
+              <a:rPr lang="en-US" kern="1800">
+                <a:solidFill>
+                  <a:srgbClr val="444444"/>
+                </a:solidFill>
+                <a:latin typeface="Arial" panose="020B0604020202020204" pitchFamily="34" charset="0"/>
+                <a:ea typeface="Times New Roman" panose="02020603050405020304" pitchFamily="18" charset="0"/>
+              </a:rPr>
+              <a:t>Khi một ConcreteClass được gọi, code của template method sẽ được thực thi từ lớp cơ sở trong khi các phương thức bên trong template method sẽ gọi các hiện thực của chúng từ các lớp con</a:t>
             </a:r>
             <a:endParaRPr lang="en-US"/>
           </a:p>
@@ -6684,7 +6843,7 @@
     </p:spTree>
     <p:extLst>
       <p:ext uri="{BB962C8B-B14F-4D97-AF65-F5344CB8AC3E}">
-        <p14:creationId xmlns:p14="http://schemas.microsoft.com/office/powerpoint/2010/main" val="1137891412"/>
+        <p14:creationId xmlns:p14="http://schemas.microsoft.com/office/powerpoint/2010/main" val="1283871467"/>
       </p:ext>
     </p:extLst>
   </p:cSld>
@@ -6728,7 +6887,7 @@
           <a:p>
             <a:r>
               <a:rPr lang="en-US" b="1"/>
-              <a:t>Mối quan hệ</a:t>
+              <a:t>Các hệ quả mang lại</a:t>
             </a:r>
           </a:p>
         </p:txBody>
@@ -6748,6 +6907,22 @@
           <a:bodyPr/>
           <a:lstStyle/>
           <a:p>
+            <a:pPr lvl="0"/>
+            <a:r>
+              <a:rPr lang="en-US"/>
+              <a:t>Kỹ thuật cơ bản cho việc tái sử dụng code:</a:t>
+            </a:r>
+          </a:p>
+          <a:p>
+            <a:pPr lvl="1"/>
+            <a:r>
+              <a:rPr lang="en-US"/>
+              <a:t>Đặc biệt quan trọng trong các lớp thư viện, chúng là phương tiện dể chúng ta tìm ra các hành vi chung trong </a:t>
+            </a:r>
+            <a:r>
+              <a:rPr lang="en-US"/>
+              <a:t>các lớp.</a:t>
+            </a:r>
             <a:endParaRPr lang="en-US"/>
           </a:p>
         </p:txBody>
@@ -6755,7 +6930,7 @@
     </p:spTree>
     <p:extLst>
       <p:ext uri="{BB962C8B-B14F-4D97-AF65-F5344CB8AC3E}">
-        <p14:creationId xmlns:p14="http://schemas.microsoft.com/office/powerpoint/2010/main" val="1283871467"/>
+        <p14:creationId xmlns:p14="http://schemas.microsoft.com/office/powerpoint/2010/main" val="3529588423"/>
       </p:ext>
     </p:extLst>
   </p:cSld>
@@ -6799,7 +6974,7 @@
           <a:p>
             <a:r>
               <a:rPr lang="en-US" b="1"/>
-              <a:t>Các hệ quả mang lại</a:t>
+              <a:t>Các chú ý liên quan đến cài đặt</a:t>
             </a:r>
           </a:p>
         </p:txBody>
@@ -6826,7 +7001,7 @@
     </p:spTree>
     <p:extLst>
       <p:ext uri="{BB962C8B-B14F-4D97-AF65-F5344CB8AC3E}">
-        <p14:creationId xmlns:p14="http://schemas.microsoft.com/office/powerpoint/2010/main" val="3529588423"/>
+        <p14:creationId xmlns:p14="http://schemas.microsoft.com/office/powerpoint/2010/main" val="1313416780"/>
       </p:ext>
     </p:extLst>
   </p:cSld>
